--- a/trainings_v1.pptx
+++ b/trainings_v1.pptx
@@ -270,7 +270,7 @@
           <a:p>
             <a:fld id="{4084EB1D-3F23-45F5-BB50-760A8FB3A612}" type="datetimeFigureOut">
               <a:rPr lang="en-IN" smtClean="0"/>
-              <a:t>08-05-2019</a:t>
+              <a:t>09-05-2019</a:t>
             </a:fld>
             <a:endParaRPr lang="en-IN"/>
           </a:p>
@@ -470,7 +470,7 @@
           <a:p>
             <a:fld id="{4084EB1D-3F23-45F5-BB50-760A8FB3A612}" type="datetimeFigureOut">
               <a:rPr lang="en-IN" smtClean="0"/>
-              <a:t>08-05-2019</a:t>
+              <a:t>09-05-2019</a:t>
             </a:fld>
             <a:endParaRPr lang="en-IN"/>
           </a:p>
@@ -680,7 +680,7 @@
           <a:p>
             <a:fld id="{4084EB1D-3F23-45F5-BB50-760A8FB3A612}" type="datetimeFigureOut">
               <a:rPr lang="en-IN" smtClean="0"/>
-              <a:t>08-05-2019</a:t>
+              <a:t>09-05-2019</a:t>
             </a:fld>
             <a:endParaRPr lang="en-IN"/>
           </a:p>
@@ -880,7 +880,7 @@
           <a:p>
             <a:fld id="{4084EB1D-3F23-45F5-BB50-760A8FB3A612}" type="datetimeFigureOut">
               <a:rPr lang="en-IN" smtClean="0"/>
-              <a:t>08-05-2019</a:t>
+              <a:t>09-05-2019</a:t>
             </a:fld>
             <a:endParaRPr lang="en-IN"/>
           </a:p>
@@ -1156,7 +1156,7 @@
           <a:p>
             <a:fld id="{4084EB1D-3F23-45F5-BB50-760A8FB3A612}" type="datetimeFigureOut">
               <a:rPr lang="en-IN" smtClean="0"/>
-              <a:t>08-05-2019</a:t>
+              <a:t>09-05-2019</a:t>
             </a:fld>
             <a:endParaRPr lang="en-IN"/>
           </a:p>
@@ -1424,7 +1424,7 @@
           <a:p>
             <a:fld id="{4084EB1D-3F23-45F5-BB50-760A8FB3A612}" type="datetimeFigureOut">
               <a:rPr lang="en-IN" smtClean="0"/>
-              <a:t>08-05-2019</a:t>
+              <a:t>09-05-2019</a:t>
             </a:fld>
             <a:endParaRPr lang="en-IN"/>
           </a:p>
@@ -1839,7 +1839,7 @@
           <a:p>
             <a:fld id="{4084EB1D-3F23-45F5-BB50-760A8FB3A612}" type="datetimeFigureOut">
               <a:rPr lang="en-IN" smtClean="0"/>
-              <a:t>08-05-2019</a:t>
+              <a:t>09-05-2019</a:t>
             </a:fld>
             <a:endParaRPr lang="en-IN"/>
           </a:p>
@@ -1981,7 +1981,7 @@
           <a:p>
             <a:fld id="{4084EB1D-3F23-45F5-BB50-760A8FB3A612}" type="datetimeFigureOut">
               <a:rPr lang="en-IN" smtClean="0"/>
-              <a:t>08-05-2019</a:t>
+              <a:t>09-05-2019</a:t>
             </a:fld>
             <a:endParaRPr lang="en-IN"/>
           </a:p>
@@ -2094,7 +2094,7 @@
           <a:p>
             <a:fld id="{4084EB1D-3F23-45F5-BB50-760A8FB3A612}" type="datetimeFigureOut">
               <a:rPr lang="en-IN" smtClean="0"/>
-              <a:t>08-05-2019</a:t>
+              <a:t>09-05-2019</a:t>
             </a:fld>
             <a:endParaRPr lang="en-IN"/>
           </a:p>
@@ -2407,7 +2407,7 @@
           <a:p>
             <a:fld id="{4084EB1D-3F23-45F5-BB50-760A8FB3A612}" type="datetimeFigureOut">
               <a:rPr lang="en-IN" smtClean="0"/>
-              <a:t>08-05-2019</a:t>
+              <a:t>09-05-2019</a:t>
             </a:fld>
             <a:endParaRPr lang="en-IN"/>
           </a:p>
@@ -2696,7 +2696,7 @@
           <a:p>
             <a:fld id="{4084EB1D-3F23-45F5-BB50-760A8FB3A612}" type="datetimeFigureOut">
               <a:rPr lang="en-IN" smtClean="0"/>
-              <a:t>08-05-2019</a:t>
+              <a:t>09-05-2019</a:t>
             </a:fld>
             <a:endParaRPr lang="en-IN"/>
           </a:p>
@@ -2939,7 +2939,7 @@
           <a:p>
             <a:fld id="{4084EB1D-3F23-45F5-BB50-760A8FB3A612}" type="datetimeFigureOut">
               <a:rPr lang="en-IN" smtClean="0"/>
-              <a:t>08-05-2019</a:t>
+              <a:t>09-05-2019</a:t>
             </a:fld>
             <a:endParaRPr lang="en-IN"/>
           </a:p>
@@ -3476,7 +3476,7 @@
             </a:pPr>
             <a:r>
               <a:rPr lang="en-IN" sz="2000" dirty="0"/>
-              <a:t>Add later after conditional and logical execution</a:t>
+              <a:t>TBD</a:t>
             </a:r>
           </a:p>
         </p:txBody>

--- a/trainings_v1.pptx
+++ b/trainings_v1.pptx
@@ -13,8 +13,10 @@
     <p:sldId id="261" r:id="rId7"/>
     <p:sldId id="262" r:id="rId8"/>
     <p:sldId id="264" r:id="rId9"/>
-    <p:sldId id="265" r:id="rId10"/>
-    <p:sldId id="263" r:id="rId11"/>
+    <p:sldId id="266" r:id="rId10"/>
+    <p:sldId id="265" r:id="rId11"/>
+    <p:sldId id="267" r:id="rId12"/>
+    <p:sldId id="263" r:id="rId13"/>
   </p:sldIdLst>
   <p:sldSz cx="12192000" cy="6858000"/>
   <p:notesSz cx="6858000" cy="9144000"/>
@@ -270,7 +272,7 @@
           <a:p>
             <a:fld id="{4084EB1D-3F23-45F5-BB50-760A8FB3A612}" type="datetimeFigureOut">
               <a:rPr lang="en-IN" smtClean="0"/>
-              <a:t>09-05-2019</a:t>
+              <a:t>12-05-2019</a:t>
             </a:fld>
             <a:endParaRPr lang="en-IN"/>
           </a:p>
@@ -470,7 +472,7 @@
           <a:p>
             <a:fld id="{4084EB1D-3F23-45F5-BB50-760A8FB3A612}" type="datetimeFigureOut">
               <a:rPr lang="en-IN" smtClean="0"/>
-              <a:t>09-05-2019</a:t>
+              <a:t>12-05-2019</a:t>
             </a:fld>
             <a:endParaRPr lang="en-IN"/>
           </a:p>
@@ -680,7 +682,7 @@
           <a:p>
             <a:fld id="{4084EB1D-3F23-45F5-BB50-760A8FB3A612}" type="datetimeFigureOut">
               <a:rPr lang="en-IN" smtClean="0"/>
-              <a:t>09-05-2019</a:t>
+              <a:t>12-05-2019</a:t>
             </a:fld>
             <a:endParaRPr lang="en-IN"/>
           </a:p>
@@ -880,7 +882,7 @@
           <a:p>
             <a:fld id="{4084EB1D-3F23-45F5-BB50-760A8FB3A612}" type="datetimeFigureOut">
               <a:rPr lang="en-IN" smtClean="0"/>
-              <a:t>09-05-2019</a:t>
+              <a:t>12-05-2019</a:t>
             </a:fld>
             <a:endParaRPr lang="en-IN"/>
           </a:p>
@@ -1156,7 +1158,7 @@
           <a:p>
             <a:fld id="{4084EB1D-3F23-45F5-BB50-760A8FB3A612}" type="datetimeFigureOut">
               <a:rPr lang="en-IN" smtClean="0"/>
-              <a:t>09-05-2019</a:t>
+              <a:t>12-05-2019</a:t>
             </a:fld>
             <a:endParaRPr lang="en-IN"/>
           </a:p>
@@ -1424,7 +1426,7 @@
           <a:p>
             <a:fld id="{4084EB1D-3F23-45F5-BB50-760A8FB3A612}" type="datetimeFigureOut">
               <a:rPr lang="en-IN" smtClean="0"/>
-              <a:t>09-05-2019</a:t>
+              <a:t>12-05-2019</a:t>
             </a:fld>
             <a:endParaRPr lang="en-IN"/>
           </a:p>
@@ -1839,7 +1841,7 @@
           <a:p>
             <a:fld id="{4084EB1D-3F23-45F5-BB50-760A8FB3A612}" type="datetimeFigureOut">
               <a:rPr lang="en-IN" smtClean="0"/>
-              <a:t>09-05-2019</a:t>
+              <a:t>12-05-2019</a:t>
             </a:fld>
             <a:endParaRPr lang="en-IN"/>
           </a:p>
@@ -1981,7 +1983,7 @@
           <a:p>
             <a:fld id="{4084EB1D-3F23-45F5-BB50-760A8FB3A612}" type="datetimeFigureOut">
               <a:rPr lang="en-IN" smtClean="0"/>
-              <a:t>09-05-2019</a:t>
+              <a:t>12-05-2019</a:t>
             </a:fld>
             <a:endParaRPr lang="en-IN"/>
           </a:p>
@@ -2094,7 +2096,7 @@
           <a:p>
             <a:fld id="{4084EB1D-3F23-45F5-BB50-760A8FB3A612}" type="datetimeFigureOut">
               <a:rPr lang="en-IN" smtClean="0"/>
-              <a:t>09-05-2019</a:t>
+              <a:t>12-05-2019</a:t>
             </a:fld>
             <a:endParaRPr lang="en-IN"/>
           </a:p>
@@ -2407,7 +2409,7 @@
           <a:p>
             <a:fld id="{4084EB1D-3F23-45F5-BB50-760A8FB3A612}" type="datetimeFigureOut">
               <a:rPr lang="en-IN" smtClean="0"/>
-              <a:t>09-05-2019</a:t>
+              <a:t>12-05-2019</a:t>
             </a:fld>
             <a:endParaRPr lang="en-IN"/>
           </a:p>
@@ -2696,7 +2698,7 @@
           <a:p>
             <a:fld id="{4084EB1D-3F23-45F5-BB50-760A8FB3A612}" type="datetimeFigureOut">
               <a:rPr lang="en-IN" smtClean="0"/>
-              <a:t>09-05-2019</a:t>
+              <a:t>12-05-2019</a:t>
             </a:fld>
             <a:endParaRPr lang="en-IN"/>
           </a:p>
@@ -2939,7 +2941,7 @@
           <a:p>
             <a:fld id="{4084EB1D-3F23-45F5-BB50-760A8FB3A612}" type="datetimeFigureOut">
               <a:rPr lang="en-IN" smtClean="0"/>
-              <a:t>09-05-2019</a:t>
+              <a:t>12-05-2019</a:t>
             </a:fld>
             <a:endParaRPr lang="en-IN"/>
           </a:p>
@@ -3426,6 +3428,710 @@
 </file>
 
 <file path=ppt/slides/slide10.xml><?xml version="1.0" encoding="utf-8"?>
+<p:sld xmlns:a="http://schemas.openxmlformats.org/drawingml/2006/main" xmlns:r="http://schemas.openxmlformats.org/officeDocument/2006/relationships" xmlns:p="http://schemas.openxmlformats.org/presentationml/2006/main">
+  <p:cSld>
+    <p:spTree>
+      <p:nvGrpSpPr>
+        <p:cNvPr id="1" name=""/>
+        <p:cNvGrpSpPr/>
+        <p:nvPr/>
+      </p:nvGrpSpPr>
+      <p:grpSpPr>
+        <a:xfrm>
+          <a:off x="0" y="0"/>
+          <a:ext cx="0" cy="0"/>
+          <a:chOff x="0" y="0"/>
+          <a:chExt cx="0" cy="0"/>
+        </a:xfrm>
+      </p:grpSpPr>
+      <p:sp>
+        <p:nvSpPr>
+          <p:cNvPr id="4" name="TextBox 3">
+            <a:extLst>
+              <a:ext uri="{FF2B5EF4-FFF2-40B4-BE49-F238E27FC236}">
+                <a16:creationId xmlns:a16="http://schemas.microsoft.com/office/drawing/2014/main" id="{EB08744C-17AD-4C72-9E84-EBBF6EB5459B}"/>
+              </a:ext>
+            </a:extLst>
+          </p:cNvPr>
+          <p:cNvSpPr txBox="1"/>
+          <p:nvPr/>
+        </p:nvSpPr>
+        <p:spPr>
+          <a:xfrm>
+            <a:off x="295275" y="1304925"/>
+            <a:ext cx="11668125" cy="5324535"/>
+          </a:xfrm>
+          <a:prstGeom prst="rect">
+            <a:avLst/>
+          </a:prstGeom>
+          <a:noFill/>
+        </p:spPr>
+        <p:txBody>
+          <a:bodyPr wrap="square" rtlCol="0">
+            <a:spAutoFit/>
+          </a:bodyPr>
+          <a:lstStyle/>
+          <a:p>
+            <a:pPr marL="800100" lvl="1" indent="-342900">
+              <a:buFontTx/>
+              <a:buChar char="-"/>
+            </a:pPr>
+            <a:r>
+              <a:rPr lang="en-US" sz="2000" dirty="0"/>
+              <a:t>Iteration repeats the execution of a sequence of code</a:t>
+            </a:r>
+          </a:p>
+          <a:p>
+            <a:pPr marL="800100" lvl="1" indent="-342900">
+              <a:buFontTx/>
+              <a:buChar char="-"/>
+            </a:pPr>
+            <a:endParaRPr lang="en-US" sz="2000" dirty="0"/>
+          </a:p>
+          <a:p>
+            <a:pPr marL="800100" lvl="1" indent="-342900">
+              <a:buFontTx/>
+              <a:buChar char="-"/>
+            </a:pPr>
+            <a:r>
+              <a:rPr lang="en-US" sz="2000" dirty="0"/>
+              <a:t>Python has two different statements, </a:t>
+            </a:r>
+            <a:r>
+              <a:rPr lang="en-US" sz="2000" dirty="0">
+                <a:solidFill>
+                  <a:srgbClr val="00B050"/>
+                </a:solidFill>
+              </a:rPr>
+              <a:t>while</a:t>
+            </a:r>
+            <a:r>
+              <a:rPr lang="en-US" sz="2000" dirty="0"/>
+              <a:t> and </a:t>
+            </a:r>
+            <a:r>
+              <a:rPr lang="en-US" sz="2000" dirty="0">
+                <a:solidFill>
+                  <a:srgbClr val="00B050"/>
+                </a:solidFill>
+              </a:rPr>
+              <a:t>for</a:t>
+            </a:r>
+            <a:r>
+              <a:rPr lang="en-US" sz="2000" dirty="0"/>
+              <a:t>, that enable iteration</a:t>
+            </a:r>
+          </a:p>
+          <a:p>
+            <a:pPr marL="800100" lvl="1" indent="-342900">
+              <a:buFontTx/>
+              <a:buChar char="-"/>
+            </a:pPr>
+            <a:endParaRPr lang="en-US" sz="2000" dirty="0"/>
+          </a:p>
+          <a:p>
+            <a:pPr marL="800100" lvl="1" indent="-342900">
+              <a:buFontTx/>
+              <a:buChar char="-"/>
+            </a:pPr>
+            <a:endParaRPr lang="en-IN" sz="2000" dirty="0"/>
+          </a:p>
+          <a:p>
+            <a:pPr marL="800100" lvl="1" indent="-342900">
+              <a:buFontTx/>
+              <a:buChar char="-"/>
+            </a:pPr>
+            <a:endParaRPr lang="en-IN" sz="2000" dirty="0"/>
+          </a:p>
+          <a:p>
+            <a:pPr marL="800100" lvl="1" indent="-342900">
+              <a:buFontTx/>
+              <a:buChar char="-"/>
+            </a:pPr>
+            <a:endParaRPr lang="en-IN" sz="2000" dirty="0"/>
+          </a:p>
+          <a:p>
+            <a:pPr marL="800100" lvl="1" indent="-342900">
+              <a:buFontTx/>
+              <a:buChar char="-"/>
+            </a:pPr>
+            <a:endParaRPr lang="en-IN" sz="2000" dirty="0"/>
+          </a:p>
+          <a:p>
+            <a:pPr lvl="1"/>
+            <a:r>
+              <a:rPr lang="en-US" sz="2000">
+                <a:solidFill>
+                  <a:srgbClr val="00B050"/>
+                </a:solidFill>
+              </a:rPr>
+              <a:t>-	for </a:t>
+            </a:r>
+            <a:r>
+              <a:rPr lang="en-US" sz="2000" dirty="0">
+                <a:solidFill>
+                  <a:srgbClr val="00B050"/>
+                </a:solidFill>
+              </a:rPr>
+              <a:t>n in range(1, 11):</a:t>
+            </a:r>
+          </a:p>
+          <a:p>
+            <a:pPr lvl="2"/>
+            <a:r>
+              <a:rPr lang="en-US" sz="2000" dirty="0">
+                <a:solidFill>
+                  <a:srgbClr val="00B050"/>
+                </a:solidFill>
+              </a:rPr>
+              <a:t>print(n)</a:t>
+            </a:r>
+          </a:p>
+          <a:p>
+            <a:pPr lvl="1"/>
+            <a:endParaRPr lang="en-US" sz="2000" dirty="0">
+              <a:solidFill>
+                <a:srgbClr val="00B050"/>
+              </a:solidFill>
+            </a:endParaRPr>
+          </a:p>
+          <a:p>
+            <a:pPr marL="800100" lvl="1" indent="-342900">
+              <a:buFontTx/>
+              <a:buChar char="-"/>
+            </a:pPr>
+            <a:r>
+              <a:rPr lang="en-US" sz="2000" dirty="0"/>
+              <a:t>The expression </a:t>
+            </a:r>
+            <a:r>
+              <a:rPr lang="en-US" sz="2000" dirty="0">
+                <a:solidFill>
+                  <a:srgbClr val="00B050"/>
+                </a:solidFill>
+              </a:rPr>
+              <a:t>range(1, 11) </a:t>
+            </a:r>
+            <a:r>
+              <a:rPr lang="en-US" sz="2000" dirty="0"/>
+              <a:t>creates a range object that allows the for loop to assign to the variable n the values 1, 2, . . . , 10.</a:t>
+            </a:r>
+          </a:p>
+          <a:p>
+            <a:pPr marL="800100" lvl="1" indent="-342900">
+              <a:buFontTx/>
+              <a:buChar char="-"/>
+            </a:pPr>
+            <a:endParaRPr lang="en-US" sz="2000" dirty="0"/>
+          </a:p>
+          <a:p>
+            <a:pPr marL="800100" lvl="1" indent="-342900">
+              <a:buFontTx/>
+              <a:buChar char="-"/>
+            </a:pPr>
+            <a:r>
+              <a:rPr lang="en-IN" sz="2000" dirty="0">
+                <a:solidFill>
+                  <a:srgbClr val="00B050"/>
+                </a:solidFill>
+              </a:rPr>
+              <a:t>range( </a:t>
+            </a:r>
+            <a:r>
+              <a:rPr lang="en-IN" sz="2000" dirty="0" err="1">
+                <a:solidFill>
+                  <a:srgbClr val="00B050"/>
+                </a:solidFill>
+              </a:rPr>
+              <a:t>begin,end,step</a:t>
+            </a:r>
+            <a:r>
+              <a:rPr lang="en-IN" sz="2000" dirty="0">
+                <a:solidFill>
+                  <a:srgbClr val="00B050"/>
+                </a:solidFill>
+              </a:rPr>
+              <a:t> ) </a:t>
+            </a:r>
+            <a:r>
+              <a:rPr lang="en-IN" sz="2000" dirty="0"/>
+              <a:t>where </a:t>
+            </a:r>
+            <a:r>
+              <a:rPr lang="en-US" sz="2000" dirty="0">
+                <a:solidFill>
+                  <a:srgbClr val="00B050"/>
+                </a:solidFill>
+              </a:rPr>
+              <a:t>begin</a:t>
+            </a:r>
+            <a:r>
+              <a:rPr lang="en-US" sz="2000" dirty="0"/>
+              <a:t> is the first value in the range; if omitted, the default value is 0, </a:t>
+            </a:r>
+            <a:r>
+              <a:rPr lang="en-US" sz="2000" dirty="0">
+                <a:solidFill>
+                  <a:srgbClr val="00B050"/>
+                </a:solidFill>
+              </a:rPr>
+              <a:t>end </a:t>
+            </a:r>
+            <a:r>
+              <a:rPr lang="en-US" sz="2000" dirty="0"/>
+              <a:t>is one past the last value in the range; the end value is always required and may not be omitted, </a:t>
+            </a:r>
+            <a:r>
+              <a:rPr lang="en-US" sz="2000" dirty="0">
+                <a:solidFill>
+                  <a:srgbClr val="00B050"/>
+                </a:solidFill>
+              </a:rPr>
+              <a:t>step</a:t>
+            </a:r>
+            <a:r>
+              <a:rPr lang="en-US" sz="2000" dirty="0"/>
+              <a:t> is the amount to increment or decrement; if the step parameter is omitted, it defaults to 1 (</a:t>
+            </a:r>
+            <a:endParaRPr lang="en-IN" sz="2000" dirty="0"/>
+          </a:p>
+        </p:txBody>
+      </p:sp>
+      <p:sp>
+        <p:nvSpPr>
+          <p:cNvPr id="5" name="TextBox 4">
+            <a:extLst>
+              <a:ext uri="{FF2B5EF4-FFF2-40B4-BE49-F238E27FC236}">
+                <a16:creationId xmlns:a16="http://schemas.microsoft.com/office/drawing/2014/main" id="{8F6FF0BC-A364-49D2-A857-5A4456C9F4FB}"/>
+              </a:ext>
+            </a:extLst>
+          </p:cNvPr>
+          <p:cNvSpPr txBox="1"/>
+          <p:nvPr/>
+        </p:nvSpPr>
+        <p:spPr>
+          <a:xfrm>
+            <a:off x="447675" y="171450"/>
+            <a:ext cx="11668125" cy="523220"/>
+          </a:xfrm>
+          <a:prstGeom prst="rect">
+            <a:avLst/>
+          </a:prstGeom>
+          <a:noFill/>
+        </p:spPr>
+        <p:txBody>
+          <a:bodyPr wrap="square" rtlCol="0">
+            <a:spAutoFit/>
+          </a:bodyPr>
+          <a:lstStyle/>
+          <a:p>
+            <a:r>
+              <a:rPr lang="en-IN" sz="2800" b="1" dirty="0"/>
+              <a:t>Iteration</a:t>
+            </a:r>
+          </a:p>
+        </p:txBody>
+      </p:sp>
+      <p:pic>
+        <p:nvPicPr>
+          <p:cNvPr id="3" name="Picture 2">
+            <a:extLst>
+              <a:ext uri="{FF2B5EF4-FFF2-40B4-BE49-F238E27FC236}">
+                <a16:creationId xmlns:a16="http://schemas.microsoft.com/office/drawing/2014/main" id="{B84509F4-ACF3-48A7-9EFC-5BB7EB69896F}"/>
+              </a:ext>
+            </a:extLst>
+          </p:cNvPr>
+          <p:cNvPicPr>
+            <a:picLocks noChangeAspect="1"/>
+          </p:cNvPicPr>
+          <p:nvPr/>
+        </p:nvPicPr>
+        <p:blipFill>
+          <a:blip r:embed="rId2"/>
+          <a:stretch>
+            <a:fillRect/>
+          </a:stretch>
+        </p:blipFill>
+        <p:spPr>
+          <a:xfrm>
+            <a:off x="1295400" y="2419350"/>
+            <a:ext cx="2305050" cy="1123950"/>
+          </a:xfrm>
+          <a:prstGeom prst="rect">
+            <a:avLst/>
+          </a:prstGeom>
+        </p:spPr>
+      </p:pic>
+    </p:spTree>
+    <p:extLst>
+      <p:ext uri="{BB962C8B-B14F-4D97-AF65-F5344CB8AC3E}">
+        <p14:creationId xmlns:p14="http://schemas.microsoft.com/office/powerpoint/2010/main" val="939827553"/>
+      </p:ext>
+    </p:extLst>
+  </p:cSld>
+  <p:clrMapOvr>
+    <a:masterClrMapping/>
+  </p:clrMapOvr>
+</p:sld>
+</file>
+
+<file path=ppt/slides/slide11.xml><?xml version="1.0" encoding="utf-8"?>
+<p:sld xmlns:a="http://schemas.openxmlformats.org/drawingml/2006/main" xmlns:r="http://schemas.openxmlformats.org/officeDocument/2006/relationships" xmlns:p="http://schemas.openxmlformats.org/presentationml/2006/main">
+  <p:cSld>
+    <p:spTree>
+      <p:nvGrpSpPr>
+        <p:cNvPr id="1" name=""/>
+        <p:cNvGrpSpPr/>
+        <p:nvPr/>
+      </p:nvGrpSpPr>
+      <p:grpSpPr>
+        <a:xfrm>
+          <a:off x="0" y="0"/>
+          <a:ext cx="0" cy="0"/>
+          <a:chOff x="0" y="0"/>
+          <a:chExt cx="0" cy="0"/>
+        </a:xfrm>
+      </p:grpSpPr>
+      <p:sp>
+        <p:nvSpPr>
+          <p:cNvPr id="4" name="TextBox 3">
+            <a:extLst>
+              <a:ext uri="{FF2B5EF4-FFF2-40B4-BE49-F238E27FC236}">
+                <a16:creationId xmlns:a16="http://schemas.microsoft.com/office/drawing/2014/main" id="{EB08744C-17AD-4C72-9E84-EBBF6EB5459B}"/>
+              </a:ext>
+            </a:extLst>
+          </p:cNvPr>
+          <p:cNvSpPr txBox="1"/>
+          <p:nvPr/>
+        </p:nvSpPr>
+        <p:spPr>
+          <a:xfrm>
+            <a:off x="295275" y="1304925"/>
+            <a:ext cx="11668125" cy="5016758"/>
+          </a:xfrm>
+          <a:prstGeom prst="rect">
+            <a:avLst/>
+          </a:prstGeom>
+          <a:noFill/>
+        </p:spPr>
+        <p:txBody>
+          <a:bodyPr wrap="square" rtlCol="0">
+            <a:spAutoFit/>
+          </a:bodyPr>
+          <a:lstStyle/>
+          <a:p>
+            <a:pPr marL="800100" lvl="1" indent="-342900">
+              <a:buFontTx/>
+              <a:buChar char="-"/>
+            </a:pPr>
+            <a:r>
+              <a:rPr lang="en-US" sz="2000" dirty="0"/>
+              <a:t>General form of function definition: </a:t>
+            </a:r>
+          </a:p>
+          <a:p>
+            <a:pPr marL="800100" lvl="1" indent="-342900">
+              <a:buFontTx/>
+              <a:buChar char="-"/>
+            </a:pPr>
+            <a:endParaRPr lang="en-US" sz="2000" dirty="0"/>
+          </a:p>
+          <a:p>
+            <a:pPr marL="1257300" lvl="2" indent="-342900">
+              <a:buFontTx/>
+              <a:buChar char="-"/>
+            </a:pPr>
+            <a:r>
+              <a:rPr lang="en-US" sz="2000" dirty="0">
+                <a:solidFill>
+                  <a:srgbClr val="00B050"/>
+                </a:solidFill>
+              </a:rPr>
+              <a:t>def</a:t>
+            </a:r>
+            <a:r>
+              <a:rPr lang="en-US" sz="2000" dirty="0"/>
+              <a:t> keyword</a:t>
+            </a:r>
+          </a:p>
+          <a:p>
+            <a:pPr marL="1257300" lvl="2" indent="-342900">
+              <a:buFontTx/>
+              <a:buChar char="-"/>
+            </a:pPr>
+            <a:r>
+              <a:rPr lang="en-US" sz="2000" dirty="0"/>
+              <a:t>The name is an identifier</a:t>
+            </a:r>
+          </a:p>
+          <a:p>
+            <a:pPr marL="1257300" lvl="2" indent="-342900">
+              <a:buFontTx/>
+              <a:buChar char="-"/>
+            </a:pPr>
+            <a:r>
+              <a:rPr lang="en-US" sz="2000" dirty="0"/>
+              <a:t>Every function definition specifies the</a:t>
+            </a:r>
+          </a:p>
+          <a:p>
+            <a:pPr lvl="2"/>
+            <a:r>
+              <a:rPr lang="en-US" sz="2000" dirty="0"/>
+              <a:t>       parameters that it takes from the caller</a:t>
+            </a:r>
+          </a:p>
+          <a:p>
+            <a:pPr marL="1257300" lvl="2" indent="-342900">
+              <a:buFont typeface="Calibri" panose="020F0502020204030204" pitchFamily="34" charset="0"/>
+              <a:buChar char="-"/>
+            </a:pPr>
+            <a:r>
+              <a:rPr lang="en-US" sz="2000" dirty="0"/>
+              <a:t>Function body</a:t>
+            </a:r>
+          </a:p>
+          <a:p>
+            <a:pPr lvl="1"/>
+            <a:endParaRPr lang="en-US" sz="2000" dirty="0">
+              <a:solidFill>
+                <a:srgbClr val="00B050"/>
+              </a:solidFill>
+            </a:endParaRPr>
+          </a:p>
+          <a:p>
+            <a:pPr marL="800100" lvl="1" indent="-342900">
+              <a:buFont typeface="Calibri" panose="020F0502020204030204" pitchFamily="34" charset="0"/>
+              <a:buChar char="-"/>
+            </a:pPr>
+            <a:r>
+              <a:rPr lang="en-US" sz="2000" dirty="0"/>
+              <a:t>For example:</a:t>
+            </a:r>
+          </a:p>
+          <a:p>
+            <a:pPr lvl="2"/>
+            <a:r>
+              <a:rPr lang="en-US" sz="2000" dirty="0">
+                <a:solidFill>
+                  <a:srgbClr val="00B050"/>
+                </a:solidFill>
+              </a:rPr>
+              <a:t>def</a:t>
+            </a:r>
+            <a:r>
+              <a:rPr lang="en-US" sz="2000" dirty="0"/>
+              <a:t> double(x):</a:t>
+            </a:r>
+          </a:p>
+          <a:p>
+            <a:pPr lvl="2"/>
+            <a:r>
+              <a:rPr lang="en-US" sz="2000" dirty="0"/>
+              <a:t>    return 2 * x</a:t>
+            </a:r>
+          </a:p>
+          <a:p>
+            <a:pPr lvl="2"/>
+            <a:endParaRPr lang="en-US" sz="2000" dirty="0"/>
+          </a:p>
+          <a:p>
+            <a:pPr lvl="2"/>
+            <a:r>
+              <a:rPr lang="en-US" sz="2000" dirty="0"/>
+              <a:t>double(4)</a:t>
+            </a:r>
+          </a:p>
+          <a:p>
+            <a:pPr lvl="2"/>
+            <a:endParaRPr lang="en-US" sz="2000" dirty="0"/>
+          </a:p>
+          <a:p>
+            <a:pPr marL="800100" lvl="1" indent="-342900">
+              <a:buFont typeface="Calibri" panose="020F0502020204030204" pitchFamily="34" charset="0"/>
+              <a:buChar char="-"/>
+            </a:pPr>
+            <a:r>
+              <a:rPr lang="en-US" sz="2000" dirty="0"/>
+              <a:t>Keyword </a:t>
+            </a:r>
+            <a:r>
+              <a:rPr lang="en-US" sz="2000" dirty="0">
+                <a:solidFill>
+                  <a:srgbClr val="00B050"/>
+                </a:solidFill>
+              </a:rPr>
+              <a:t>pass</a:t>
+            </a:r>
+            <a:r>
+              <a:rPr lang="en-US" sz="2000" dirty="0"/>
+              <a:t> can be used when a statement is required syntactically but the program requires no action</a:t>
+            </a:r>
+          </a:p>
+        </p:txBody>
+      </p:sp>
+      <p:sp>
+        <p:nvSpPr>
+          <p:cNvPr id="5" name="TextBox 4">
+            <a:extLst>
+              <a:ext uri="{FF2B5EF4-FFF2-40B4-BE49-F238E27FC236}">
+                <a16:creationId xmlns:a16="http://schemas.microsoft.com/office/drawing/2014/main" id="{8F6FF0BC-A364-49D2-A857-5A4456C9F4FB}"/>
+              </a:ext>
+            </a:extLst>
+          </p:cNvPr>
+          <p:cNvSpPr txBox="1"/>
+          <p:nvPr/>
+        </p:nvSpPr>
+        <p:spPr>
+          <a:xfrm>
+            <a:off x="447675" y="171450"/>
+            <a:ext cx="11668125" cy="523220"/>
+          </a:xfrm>
+          <a:prstGeom prst="rect">
+            <a:avLst/>
+          </a:prstGeom>
+          <a:noFill/>
+        </p:spPr>
+        <p:txBody>
+          <a:bodyPr wrap="square" rtlCol="0">
+            <a:spAutoFit/>
+          </a:bodyPr>
+          <a:lstStyle/>
+          <a:p>
+            <a:r>
+              <a:rPr lang="en-IN" sz="2800" b="1" dirty="0"/>
+              <a:t>Defining functions</a:t>
+            </a:r>
+          </a:p>
+        </p:txBody>
+      </p:sp>
+      <p:pic>
+        <p:nvPicPr>
+          <p:cNvPr id="2" name="Picture 1">
+            <a:extLst>
+              <a:ext uri="{FF2B5EF4-FFF2-40B4-BE49-F238E27FC236}">
+                <a16:creationId xmlns:a16="http://schemas.microsoft.com/office/drawing/2014/main" id="{E19BFAB7-A950-445A-A5B3-141C93872BB4}"/>
+              </a:ext>
+            </a:extLst>
+          </p:cNvPr>
+          <p:cNvPicPr>
+            <a:picLocks noChangeAspect="1"/>
+          </p:cNvPicPr>
+          <p:nvPr/>
+        </p:nvPicPr>
+        <p:blipFill>
+          <a:blip r:embed="rId2"/>
+          <a:stretch>
+            <a:fillRect/>
+          </a:stretch>
+        </p:blipFill>
+        <p:spPr>
+          <a:xfrm>
+            <a:off x="5548312" y="1671637"/>
+            <a:ext cx="4448175" cy="1362075"/>
+          </a:xfrm>
+          <a:prstGeom prst="rect">
+            <a:avLst/>
+          </a:prstGeom>
+        </p:spPr>
+      </p:pic>
+      <p:sp>
+        <p:nvSpPr>
+          <p:cNvPr id="6" name="TextBox 5">
+            <a:extLst>
+              <a:ext uri="{FF2B5EF4-FFF2-40B4-BE49-F238E27FC236}">
+                <a16:creationId xmlns:a16="http://schemas.microsoft.com/office/drawing/2014/main" id="{2529ED7C-576C-4AB1-9C2F-E4BC89A07D99}"/>
+              </a:ext>
+            </a:extLst>
+          </p:cNvPr>
+          <p:cNvSpPr txBox="1"/>
+          <p:nvPr/>
+        </p:nvSpPr>
+        <p:spPr>
+          <a:xfrm>
+            <a:off x="6086475" y="3943350"/>
+            <a:ext cx="3423822" cy="1477328"/>
+          </a:xfrm>
+          <a:prstGeom prst="rect">
+            <a:avLst/>
+          </a:prstGeom>
+          <a:noFill/>
+        </p:spPr>
+        <p:txBody>
+          <a:bodyPr wrap="none" rtlCol="0">
+            <a:spAutoFit/>
+          </a:bodyPr>
+          <a:lstStyle/>
+          <a:p>
+            <a:r>
+              <a:rPr lang="en-IN" dirty="0">
+                <a:solidFill>
+                  <a:srgbClr val="00B050"/>
+                </a:solidFill>
+              </a:rPr>
+              <a:t>def </a:t>
+            </a:r>
+            <a:r>
+              <a:rPr lang="en-IN" dirty="0"/>
+              <a:t>count_to_10():</a:t>
+            </a:r>
+          </a:p>
+          <a:p>
+            <a:r>
+              <a:rPr lang="en-US" dirty="0"/>
+              <a:t>	for </a:t>
+            </a:r>
+            <a:r>
+              <a:rPr lang="en-US" dirty="0" err="1"/>
+              <a:t>i</a:t>
+            </a:r>
+            <a:r>
+              <a:rPr lang="en-US" dirty="0"/>
+              <a:t> in range(1, 11):</a:t>
+            </a:r>
+          </a:p>
+          <a:p>
+            <a:r>
+              <a:rPr lang="en-IN" dirty="0"/>
+              <a:t>		print(</a:t>
+            </a:r>
+            <a:r>
+              <a:rPr lang="en-IN" dirty="0" err="1"/>
+              <a:t>i</a:t>
+            </a:r>
+            <a:r>
+              <a:rPr lang="en-IN" dirty="0"/>
+              <a:t>, end=' ‘)</a:t>
+            </a:r>
+          </a:p>
+          <a:p>
+            <a:r>
+              <a:rPr lang="en-IN" dirty="0"/>
+              <a:t>	print()</a:t>
+            </a:r>
+          </a:p>
+          <a:p>
+            <a:r>
+              <a:rPr lang="en-IN" dirty="0"/>
+              <a:t>count_to_10()</a:t>
+            </a:r>
+          </a:p>
+        </p:txBody>
+      </p:sp>
+    </p:spTree>
+    <p:extLst>
+      <p:ext uri="{BB962C8B-B14F-4D97-AF65-F5344CB8AC3E}">
+        <p14:creationId xmlns:p14="http://schemas.microsoft.com/office/powerpoint/2010/main" val="2589761607"/>
+      </p:ext>
+    </p:extLst>
+  </p:cSld>
+  <p:clrMapOvr>
+    <a:masterClrMapping/>
+  </p:clrMapOvr>
+</p:sld>
+</file>
+
+<file path=ppt/slides/slide12.xml><?xml version="1.0" encoding="utf-8"?>
 <p:sld xmlns:a="http://schemas.openxmlformats.org/drawingml/2006/main" xmlns:r="http://schemas.openxmlformats.org/officeDocument/2006/relationships" xmlns:p="http://schemas.openxmlformats.org/presentationml/2006/main">
   <p:cSld>
     <p:spTree>
@@ -5644,7 +6350,7 @@
         <p:spPr>
           <a:xfrm>
             <a:off x="295275" y="1304925"/>
-            <a:ext cx="11668125" cy="3785652"/>
+            <a:ext cx="11668125" cy="5016758"/>
           </a:xfrm>
           <a:prstGeom prst="rect">
             <a:avLst/>
@@ -5708,6 +6414,20 @@
               <a:buFontTx/>
               <a:buChar char="-"/>
             </a:pPr>
+            <a:r>
+              <a:rPr lang="en-IN" sz="2000" dirty="0"/>
+              <a:t>Relational operators are ==, &gt;=, &lt;=,</a:t>
+            </a:r>
+          </a:p>
+          <a:p>
+            <a:pPr lvl="1"/>
+            <a:r>
+              <a:rPr lang="en-IN" sz="2000" dirty="0"/>
+              <a:t>	&gt;, &lt; and !=</a:t>
+            </a:r>
+          </a:p>
+          <a:p>
+            <a:pPr lvl="1"/>
             <a:endParaRPr lang="en-IN" sz="2000" dirty="0"/>
           </a:p>
           <a:p>
@@ -5715,6 +6435,68 @@
               <a:buFontTx/>
               <a:buChar char="-"/>
             </a:pPr>
+            <a:r>
+              <a:rPr lang="en-IN" sz="2000" dirty="0"/>
+              <a:t>Example: </a:t>
+            </a:r>
+            <a:r>
+              <a:rPr lang="en-IN" sz="2000" dirty="0">
+                <a:solidFill>
+                  <a:srgbClr val="00B050"/>
+                </a:solidFill>
+              </a:rPr>
+              <a:t>5 &gt; 10 </a:t>
+            </a:r>
+            <a:r>
+              <a:rPr lang="en-IN" sz="2000" dirty="0"/>
+              <a:t>evaluates to </a:t>
+            </a:r>
+            <a:r>
+              <a:rPr lang="en-IN" sz="2000" dirty="0">
+                <a:solidFill>
+                  <a:srgbClr val="00B050"/>
+                </a:solidFill>
+              </a:rPr>
+              <a:t>False</a:t>
+            </a:r>
+            <a:r>
+              <a:rPr lang="en-IN" sz="2000" dirty="0"/>
+              <a:t> </a:t>
+            </a:r>
+          </a:p>
+          <a:p>
+            <a:pPr lvl="1"/>
+            <a:r>
+              <a:rPr lang="en-IN" sz="2000" dirty="0"/>
+              <a:t>	whereas </a:t>
+            </a:r>
+            <a:r>
+              <a:rPr lang="en-IN" sz="2000" dirty="0">
+                <a:solidFill>
+                  <a:srgbClr val="00B050"/>
+                </a:solidFill>
+              </a:rPr>
+              <a:t>5 &gt; 3</a:t>
+            </a:r>
+            <a:r>
+              <a:rPr lang="en-IN" sz="2000" dirty="0"/>
+              <a:t> evaluates to </a:t>
+            </a:r>
+            <a:r>
+              <a:rPr lang="en-IN" sz="2000" dirty="0">
+                <a:solidFill>
+                  <a:srgbClr val="00B050"/>
+                </a:solidFill>
+              </a:rPr>
+              <a:t>True</a:t>
+            </a:r>
+            <a:r>
+              <a:rPr lang="en-IN" sz="2000" dirty="0"/>
+              <a:t>. </a:t>
+            </a:r>
+          </a:p>
+          <a:p>
+            <a:pPr lvl="1"/>
             <a:endParaRPr lang="en-IN" sz="2000" dirty="0"/>
           </a:p>
           <a:p>
@@ -5722,34 +6504,75 @@
               <a:buFontTx/>
               <a:buChar char="-"/>
             </a:pPr>
-            <a:endParaRPr lang="en-IN" sz="2000" dirty="0"/>
+            <a:r>
+              <a:rPr lang="en-US" sz="2000" dirty="0"/>
+              <a:t>We can combine simple Boolean expressions, each involving one relational operator, into more 	complex </a:t>
+            </a:r>
+            <a:r>
+              <a:rPr lang="en-US" sz="2000" dirty="0" err="1"/>
+              <a:t>boolean</a:t>
+            </a:r>
+            <a:r>
+              <a:rPr lang="en-US" sz="2000" dirty="0"/>
+              <a:t> expressions using the logical operators </a:t>
+            </a:r>
+            <a:r>
+              <a:rPr lang="en-US" sz="2000" dirty="0">
+                <a:solidFill>
+                  <a:srgbClr val="00B050"/>
+                </a:solidFill>
+              </a:rPr>
+              <a:t>and</a:t>
+            </a:r>
+            <a:r>
+              <a:rPr lang="en-US" sz="2000" dirty="0"/>
+              <a:t>, </a:t>
+            </a:r>
+            <a:r>
+              <a:rPr lang="en-US" sz="2000" dirty="0">
+                <a:solidFill>
+                  <a:srgbClr val="00B050"/>
+                </a:solidFill>
+              </a:rPr>
+              <a:t>or</a:t>
+            </a:r>
+            <a:r>
+              <a:rPr lang="en-US" sz="2000" dirty="0"/>
+              <a:t>, and </a:t>
+            </a:r>
+            <a:r>
+              <a:rPr lang="en-US" sz="2000" dirty="0">
+                <a:solidFill>
+                  <a:srgbClr val="00B050"/>
+                </a:solidFill>
+              </a:rPr>
+              <a:t>not</a:t>
+            </a:r>
           </a:p>
           <a:p>
             <a:pPr marL="800100" lvl="1" indent="-342900">
               <a:buFontTx/>
               <a:buChar char="-"/>
             </a:pPr>
-            <a:endParaRPr lang="en-IN" sz="2000" dirty="0"/>
+            <a:endParaRPr lang="en-US" sz="2000" dirty="0">
+              <a:solidFill>
+                <a:srgbClr val="00B050"/>
+              </a:solidFill>
+            </a:endParaRPr>
           </a:p>
           <a:p>
             <a:pPr marL="800100" lvl="1" indent="-342900">
               <a:buFontTx/>
               <a:buChar char="-"/>
             </a:pPr>
-            <a:endParaRPr lang="en-IN" sz="2000" dirty="0"/>
-          </a:p>
-          <a:p>
-            <a:pPr marL="800100" lvl="1" indent="-342900">
-              <a:buFontTx/>
-              <a:buChar char="-"/>
-            </a:pPr>
-            <a:endParaRPr lang="en-IN" sz="2000" dirty="0"/>
-          </a:p>
-          <a:p>
-            <a:pPr marL="800100" lvl="1" indent="-342900">
-              <a:buFontTx/>
-              <a:buChar char="-"/>
-            </a:pPr>
+            <a:endParaRPr lang="en-IN" sz="2000" dirty="0">
+              <a:solidFill>
+                <a:srgbClr val="00B050"/>
+              </a:solidFill>
+            </a:endParaRPr>
+          </a:p>
+          <a:p>
+            <a:pPr lvl="1"/>
             <a:endParaRPr lang="en-IN" sz="2000" dirty="0">
               <a:solidFill>
                 <a:srgbClr val="00B050"/>
@@ -5826,7 +6649,7 @@
         </p:blipFill>
         <p:spPr>
           <a:xfrm>
-            <a:off x="1328737" y="2409825"/>
+            <a:off x="5138737" y="2581275"/>
             <a:ext cx="6181725" cy="1543050"/>
           </a:xfrm>
           <a:prstGeom prst="rect">
@@ -5836,10 +6659,10 @@
       </p:pic>
       <p:pic>
         <p:nvPicPr>
-          <p:cNvPr id="3" name="Picture 2">
-            <a:extLst>
-              <a:ext uri="{FF2B5EF4-FFF2-40B4-BE49-F238E27FC236}">
-                <a16:creationId xmlns:a16="http://schemas.microsoft.com/office/drawing/2014/main" id="{71353743-2638-4BDF-A5B7-5752478EB1D0}"/>
+          <p:cNvPr id="7" name="Picture 6">
+            <a:extLst>
+              <a:ext uri="{FF2B5EF4-FFF2-40B4-BE49-F238E27FC236}">
+                <a16:creationId xmlns:a16="http://schemas.microsoft.com/office/drawing/2014/main" id="{A50EC48E-3092-4340-9006-40B3AB03E93D}"/>
               </a:ext>
             </a:extLst>
           </p:cNvPr>
@@ -5856,44 +6679,128 @@
         </p:blipFill>
         <p:spPr>
           <a:xfrm>
-            <a:off x="1333500" y="4129087"/>
-            <a:ext cx="2171700" cy="2124075"/>
+            <a:off x="1243012" y="5148262"/>
+            <a:ext cx="2943225" cy="923925"/>
           </a:xfrm>
           <a:prstGeom prst="rect">
             <a:avLst/>
           </a:prstGeom>
         </p:spPr>
       </p:pic>
-      <p:pic>
-        <p:nvPicPr>
-          <p:cNvPr id="6" name="Picture 5">
-            <a:extLst>
-              <a:ext uri="{FF2B5EF4-FFF2-40B4-BE49-F238E27FC236}">
-                <a16:creationId xmlns:a16="http://schemas.microsoft.com/office/drawing/2014/main" id="{9FD1032B-13DC-4C14-B35D-849304E680CE}"/>
-              </a:ext>
-            </a:extLst>
-          </p:cNvPr>
-          <p:cNvPicPr>
-            <a:picLocks noChangeAspect="1"/>
-          </p:cNvPicPr>
+      <p:sp>
+        <p:nvSpPr>
+          <p:cNvPr id="8" name="TextBox 7">
+            <a:extLst>
+              <a:ext uri="{FF2B5EF4-FFF2-40B4-BE49-F238E27FC236}">
+                <a16:creationId xmlns:a16="http://schemas.microsoft.com/office/drawing/2014/main" id="{5D53789E-3AB8-4092-A9C1-7B199A9D1D93}"/>
+              </a:ext>
+            </a:extLst>
+          </p:cNvPr>
+          <p:cNvSpPr txBox="1"/>
           <p:nvPr/>
-        </p:nvPicPr>
-        <p:blipFill>
-          <a:blip r:embed="rId4"/>
-          <a:stretch>
-            <a:fillRect/>
-          </a:stretch>
-        </p:blipFill>
+        </p:nvSpPr>
         <p:spPr>
           <a:xfrm>
-            <a:off x="8267700" y="2271713"/>
-            <a:ext cx="1657350" cy="4451378"/>
+            <a:off x="4819650" y="5287059"/>
+            <a:ext cx="2147890" cy="646331"/>
           </a:xfrm>
           <a:prstGeom prst="rect">
             <a:avLst/>
           </a:prstGeom>
+          <a:noFill/>
         </p:spPr>
-      </p:pic>
+        <p:txBody>
+          <a:bodyPr wrap="square" rtlCol="0">
+            <a:spAutoFit/>
+          </a:bodyPr>
+          <a:lstStyle/>
+          <a:p>
+            <a:r>
+              <a:rPr lang="en-IN" dirty="0"/>
+              <a:t>Truth table for </a:t>
+            </a:r>
+            <a:r>
+              <a:rPr lang="en-IN" dirty="0">
+                <a:solidFill>
+                  <a:srgbClr val="00B050"/>
+                </a:solidFill>
+              </a:rPr>
+              <a:t>and</a:t>
+            </a:r>
+            <a:r>
+              <a:rPr lang="en-IN" dirty="0"/>
+              <a:t>, </a:t>
+            </a:r>
+            <a:r>
+              <a:rPr lang="en-IN" dirty="0">
+                <a:solidFill>
+                  <a:srgbClr val="00B050"/>
+                </a:solidFill>
+              </a:rPr>
+              <a:t>or</a:t>
+            </a:r>
+            <a:r>
+              <a:rPr lang="en-IN" dirty="0"/>
+              <a:t> and </a:t>
+            </a:r>
+            <a:r>
+              <a:rPr lang="en-IN" dirty="0">
+                <a:solidFill>
+                  <a:srgbClr val="00B050"/>
+                </a:solidFill>
+              </a:rPr>
+              <a:t>not</a:t>
+            </a:r>
+          </a:p>
+        </p:txBody>
+      </p:sp>
+      <p:sp>
+        <p:nvSpPr>
+          <p:cNvPr id="9" name="Arrow: Left 8">
+            <a:extLst>
+              <a:ext uri="{FF2B5EF4-FFF2-40B4-BE49-F238E27FC236}">
+                <a16:creationId xmlns:a16="http://schemas.microsoft.com/office/drawing/2014/main" id="{A0AB5A54-6CE6-47E8-BBD3-A5D90E58F9D3}"/>
+              </a:ext>
+            </a:extLst>
+          </p:cNvPr>
+          <p:cNvSpPr/>
+          <p:nvPr/>
+        </p:nvSpPr>
+        <p:spPr>
+          <a:xfrm>
+            <a:off x="4133850" y="5367908"/>
+            <a:ext cx="720000" cy="484632"/>
+          </a:xfrm>
+          <a:prstGeom prst="leftArrow">
+            <a:avLst/>
+          </a:prstGeom>
+          <a:noFill/>
+        </p:spPr>
+        <p:style>
+          <a:lnRef idx="2">
+            <a:schemeClr val="accent1">
+              <a:shade val="50000"/>
+            </a:schemeClr>
+          </a:lnRef>
+          <a:fillRef idx="1">
+            <a:schemeClr val="accent1"/>
+          </a:fillRef>
+          <a:effectRef idx="0">
+            <a:schemeClr val="accent1"/>
+          </a:effectRef>
+          <a:fontRef idx="minor">
+            <a:schemeClr val="lt1"/>
+          </a:fontRef>
+        </p:style>
+        <p:txBody>
+          <a:bodyPr rtlCol="0" anchor="ctr"/>
+          <a:lstStyle/>
+          <a:p>
+            <a:pPr algn="ctr"/>
+            <a:endParaRPr lang="en-IN"/>
+          </a:p>
+        </p:txBody>
+      </p:sp>
     </p:spTree>
     <p:extLst>
       <p:ext uri="{BB962C8B-B14F-4D97-AF65-F5344CB8AC3E}">
@@ -5939,7 +6846,7 @@
         <p:spPr>
           <a:xfrm>
             <a:off x="295275" y="1304925"/>
-            <a:ext cx="11668125" cy="5324535"/>
+            <a:ext cx="11668125" cy="4708981"/>
           </a:xfrm>
           <a:prstGeom prst="rect">
             <a:avLst/>
@@ -5952,13 +6859,17 @@
           </a:bodyPr>
           <a:lstStyle/>
           <a:p>
+            <a:pPr lvl="1"/>
+            <a:endParaRPr lang="en-IN" sz="2000" dirty="0"/>
+          </a:p>
+          <a:p>
             <a:pPr marL="800100" lvl="1" indent="-342900">
               <a:buFontTx/>
               <a:buChar char="-"/>
             </a:pPr>
             <a:r>
               <a:rPr lang="en-US" sz="2000" dirty="0"/>
-              <a:t>Iteration repeats the execution of a sequence of code</a:t>
+              <a:t>The general form of the if statement is:</a:t>
             </a:r>
           </a:p>
           <a:p>
@@ -5973,33 +6884,38 @@
               <a:buFontTx/>
               <a:buChar char="-"/>
             </a:pPr>
+            <a:endParaRPr lang="en-US" sz="2000" dirty="0"/>
+          </a:p>
+          <a:p>
+            <a:pPr marL="800100" lvl="1" indent="-342900">
+              <a:buFontTx/>
+              <a:buChar char="-"/>
+            </a:pPr>
             <a:r>
               <a:rPr lang="en-US" sz="2000" dirty="0"/>
-              <a:t>Python has two different statements, </a:t>
-            </a:r>
+              <a:t>For example: </a:t>
+            </a:r>
+          </a:p>
+          <a:p>
+            <a:pPr lvl="2"/>
             <a:r>
               <a:rPr lang="en-US" sz="2000" dirty="0">
                 <a:solidFill>
                   <a:srgbClr val="00B050"/>
                 </a:solidFill>
               </a:rPr>
-              <a:t>while</a:t>
-            </a:r>
-            <a:r>
-              <a:rPr lang="en-US" sz="2000" dirty="0"/>
-              <a:t> and </a:t>
-            </a:r>
+              <a:t>if divisor != 0:</a:t>
+            </a:r>
+          </a:p>
+          <a:p>
+            <a:pPr lvl="2"/>
             <a:r>
               <a:rPr lang="en-US" sz="2000" dirty="0">
                 <a:solidFill>
                   <a:srgbClr val="00B050"/>
                 </a:solidFill>
               </a:rPr>
-              <a:t>for</a:t>
-            </a:r>
-            <a:r>
-              <a:rPr lang="en-US" sz="2000" dirty="0"/>
-              <a:t>, that enable iteration</a:t>
+              <a:t>    print(dividend, '/', divisor, "=", dividend/divisor)</a:t>
             </a:r>
           </a:p>
           <a:p>
@@ -6007,68 +6923,6 @@
               <a:buFontTx/>
               <a:buChar char="-"/>
             </a:pPr>
-            <a:endParaRPr lang="en-US" sz="2000" dirty="0"/>
-          </a:p>
-          <a:p>
-            <a:pPr marL="800100" lvl="1" indent="-342900">
-              <a:buFontTx/>
-              <a:buChar char="-"/>
-            </a:pPr>
-            <a:endParaRPr lang="en-IN" sz="2000" dirty="0"/>
-          </a:p>
-          <a:p>
-            <a:pPr marL="800100" lvl="1" indent="-342900">
-              <a:buFontTx/>
-              <a:buChar char="-"/>
-            </a:pPr>
-            <a:endParaRPr lang="en-IN" sz="2000" dirty="0"/>
-          </a:p>
-          <a:p>
-            <a:pPr marL="800100" lvl="1" indent="-342900">
-              <a:buFontTx/>
-              <a:buChar char="-"/>
-            </a:pPr>
-            <a:endParaRPr lang="en-IN" sz="2000" dirty="0"/>
-          </a:p>
-          <a:p>
-            <a:pPr marL="800100" lvl="1" indent="-342900">
-              <a:buFontTx/>
-              <a:buChar char="-"/>
-            </a:pPr>
-            <a:endParaRPr lang="en-IN" sz="2000" dirty="0"/>
-          </a:p>
-          <a:p>
-            <a:pPr lvl="1"/>
-            <a:r>
-              <a:rPr lang="en-US" sz="2000">
-                <a:solidFill>
-                  <a:srgbClr val="00B050"/>
-                </a:solidFill>
-              </a:rPr>
-              <a:t>-	for </a:t>
-            </a:r>
-            <a:r>
-              <a:rPr lang="en-US" sz="2000" dirty="0">
-                <a:solidFill>
-                  <a:srgbClr val="00B050"/>
-                </a:solidFill>
-              </a:rPr>
-              <a:t>n in range(1, 11):</a:t>
-            </a:r>
-          </a:p>
-          <a:p>
-            <a:pPr lvl="2"/>
-            <a:r>
-              <a:rPr lang="en-US" sz="2000" dirty="0">
-                <a:solidFill>
-                  <a:srgbClr val="00B050"/>
-                </a:solidFill>
-              </a:rPr>
-              <a:t>print(n)</a:t>
-            </a:r>
-          </a:p>
-          <a:p>
-            <a:pPr lvl="1"/>
             <a:endParaRPr lang="en-US" sz="2000" dirty="0">
               <a:solidFill>
                 <a:srgbClr val="00B050"/>
@@ -6082,98 +6936,69 @@
             </a:pPr>
             <a:r>
               <a:rPr lang="en-US" sz="2000" dirty="0"/>
-              <a:t>The expression </a:t>
-            </a:r>
+              <a:t>The general form of an if/else statement is:</a:t>
+            </a:r>
+          </a:p>
+          <a:p>
+            <a:pPr marL="800100" lvl="1" indent="-342900">
+              <a:buFontTx/>
+              <a:buChar char="-"/>
+            </a:pPr>
+            <a:endParaRPr lang="en-US" sz="2000" dirty="0"/>
+          </a:p>
+          <a:p>
+            <a:pPr marL="800100" lvl="1" indent="-342900">
+              <a:buFontTx/>
+              <a:buChar char="-"/>
+            </a:pPr>
+            <a:r>
+              <a:rPr lang="en-US" sz="2000" dirty="0"/>
+              <a:t>For example:</a:t>
+            </a:r>
+          </a:p>
+          <a:p>
+            <a:pPr lvl="2"/>
             <a:r>
               <a:rPr lang="en-US" sz="2000" dirty="0">
                 <a:solidFill>
                   <a:srgbClr val="00B050"/>
                 </a:solidFill>
               </a:rPr>
-              <a:t>range(1, 11) </a:t>
-            </a:r>
-            <a:r>
-              <a:rPr lang="en-US" sz="2000" dirty="0"/>
-              <a:t>creates a range object that allows the for loop to assign to the variable n the values 1, 2, . . . , 10.</a:t>
-            </a:r>
-          </a:p>
-          <a:p>
-            <a:pPr marL="800100" lvl="1" indent="-342900">
-              <a:buFontTx/>
-              <a:buChar char="-"/>
-            </a:pPr>
-            <a:endParaRPr lang="en-US" sz="2000" dirty="0"/>
-          </a:p>
-          <a:p>
-            <a:pPr marL="800100" lvl="1" indent="-342900">
-              <a:buFontTx/>
-              <a:buChar char="-"/>
-            </a:pPr>
-            <a:r>
-              <a:rPr lang="en-IN" sz="2000" dirty="0">
+              <a:t>if divisor != 0:</a:t>
+            </a:r>
+          </a:p>
+          <a:p>
+            <a:pPr lvl="2"/>
+            <a:r>
+              <a:rPr lang="en-US" sz="2000" dirty="0">
                 <a:solidFill>
                   <a:srgbClr val="00B050"/>
                 </a:solidFill>
               </a:rPr>
-              <a:t>range( </a:t>
-            </a:r>
-            <a:r>
-              <a:rPr lang="en-IN" sz="2000" dirty="0" err="1">
+              <a:t>    print(dividend, '/', divisor, "=", dividend/divisor)</a:t>
+            </a:r>
+          </a:p>
+          <a:p>
+            <a:pPr lvl="2"/>
+            <a:r>
+              <a:rPr lang="en-US" sz="2000" dirty="0">
                 <a:solidFill>
                   <a:srgbClr val="00B050"/>
                 </a:solidFill>
               </a:rPr>
-              <a:t>begin,end,step</a:t>
-            </a:r>
-            <a:r>
-              <a:rPr lang="en-IN" sz="2000" dirty="0">
+              <a:t>else:</a:t>
+            </a:r>
+          </a:p>
+          <a:p>
+            <a:pPr lvl="2"/>
+            <a:r>
+              <a:rPr lang="en-US" sz="2000" dirty="0">
                 <a:solidFill>
                   <a:srgbClr val="00B050"/>
                 </a:solidFill>
               </a:rPr>
-              <a:t> ) </a:t>
-            </a:r>
-            <a:r>
-              <a:rPr lang="en-IN" sz="2000" dirty="0"/>
-              <a:t>where </a:t>
-            </a:r>
-            <a:r>
-              <a:rPr lang="en-US" sz="2000" dirty="0">
-                <a:solidFill>
-                  <a:srgbClr val="00B050"/>
-                </a:solidFill>
-              </a:rPr>
-              <a:t>begin</a:t>
-            </a:r>
-            <a:r>
-              <a:rPr lang="en-US" sz="2000" dirty="0"/>
-              <a:t> is the first value in the range; if omitted, the default value is 0, </a:t>
-            </a:r>
-            <a:r>
-              <a:rPr lang="en-US" sz="2000" dirty="0">
-                <a:solidFill>
-                  <a:srgbClr val="00B050"/>
-                </a:solidFill>
-              </a:rPr>
-              <a:t>end </a:t>
-            </a:r>
-            <a:r>
-              <a:rPr lang="en-US" sz="2000" dirty="0"/>
-              <a:t>is one past the last value in the range; the end value is always required and may not be omitted, </a:t>
-            </a:r>
-            <a:r>
-              <a:rPr lang="en-US" sz="2000" dirty="0">
-                <a:solidFill>
-                  <a:srgbClr val="00B050"/>
-                </a:solidFill>
-              </a:rPr>
-              <a:t>step</a:t>
-            </a:r>
-            <a:r>
-              <a:rPr lang="en-US" sz="2000" dirty="0"/>
-              <a:t> is the amount to increment or decrement; if the step parameter is omitted, it defaults to 1 (</a:t>
-            </a:r>
-            <a:endParaRPr lang="en-IN" sz="2000" dirty="0"/>
+              <a:t>    print('Division by zero is not allowed')</a:t>
+            </a:r>
           </a:p>
         </p:txBody>
       </p:sp>
@@ -6207,17 +7032,17 @@
           <a:p>
             <a:r>
               <a:rPr lang="en-IN" sz="2800" b="1" dirty="0"/>
-              <a:t>Iteration</a:t>
+              <a:t>Conditional Execution</a:t>
             </a:r>
           </a:p>
         </p:txBody>
       </p:sp>
       <p:pic>
         <p:nvPicPr>
-          <p:cNvPr id="3" name="Picture 2">
-            <a:extLst>
-              <a:ext uri="{FF2B5EF4-FFF2-40B4-BE49-F238E27FC236}">
-                <a16:creationId xmlns:a16="http://schemas.microsoft.com/office/drawing/2014/main" id="{B84509F4-ACF3-48A7-9EFC-5BB7EB69896F}"/>
+          <p:cNvPr id="6" name="Picture 5">
+            <a:extLst>
+              <a:ext uri="{FF2B5EF4-FFF2-40B4-BE49-F238E27FC236}">
+                <a16:creationId xmlns:a16="http://schemas.microsoft.com/office/drawing/2014/main" id="{B3CE0DC5-4BA6-4789-8BE1-AA6B368A023B}"/>
               </a:ext>
             </a:extLst>
           </p:cNvPr>
@@ -6234,8 +7059,38 @@
         </p:blipFill>
         <p:spPr>
           <a:xfrm>
-            <a:off x="1295400" y="2419350"/>
-            <a:ext cx="2305050" cy="1123950"/>
+            <a:off x="6067425" y="3871912"/>
+            <a:ext cx="2171700" cy="2124075"/>
+          </a:xfrm>
+          <a:prstGeom prst="rect">
+            <a:avLst/>
+          </a:prstGeom>
+        </p:spPr>
+      </p:pic>
+      <p:pic>
+        <p:nvPicPr>
+          <p:cNvPr id="3" name="Picture 2">
+            <a:extLst>
+              <a:ext uri="{FF2B5EF4-FFF2-40B4-BE49-F238E27FC236}">
+                <a16:creationId xmlns:a16="http://schemas.microsoft.com/office/drawing/2014/main" id="{823F080A-CA40-4506-B757-0BDF1C6EB337}"/>
+              </a:ext>
+            </a:extLst>
+          </p:cNvPr>
+          <p:cNvPicPr>
+            <a:picLocks noChangeAspect="1"/>
+          </p:cNvPicPr>
+          <p:nvPr/>
+        </p:nvPicPr>
+        <p:blipFill>
+          <a:blip r:embed="rId3"/>
+          <a:stretch>
+            <a:fillRect/>
+          </a:stretch>
+        </p:blipFill>
+        <p:spPr>
+          <a:xfrm>
+            <a:off x="5538787" y="1638300"/>
+            <a:ext cx="1895475" cy="1143000"/>
           </a:xfrm>
           <a:prstGeom prst="rect">
             <a:avLst/>
@@ -6245,7 +7100,7 @@
     </p:spTree>
     <p:extLst>
       <p:ext uri="{BB962C8B-B14F-4D97-AF65-F5344CB8AC3E}">
-        <p14:creationId xmlns:p14="http://schemas.microsoft.com/office/powerpoint/2010/main" val="939827553"/>
+        <p14:creationId xmlns:p14="http://schemas.microsoft.com/office/powerpoint/2010/main" val="4050920963"/>
       </p:ext>
     </p:extLst>
   </p:cSld>
